--- a/mti476/Trabajo Final Wikibase.pptx
+++ b/mti476/Trabajo Final Wikibase.pptx
@@ -12,6 +12,11 @@
     <p:sldId id="260" r:id="rId6"/>
     <p:sldId id="261" r:id="rId7"/>
     <p:sldId id="262" r:id="rId8"/>
+    <p:sldId id="263" r:id="rId9"/>
+    <p:sldId id="264" r:id="rId10"/>
+    <p:sldId id="265" r:id="rId11"/>
+    <p:sldId id="266" r:id="rId12"/>
+    <p:sldId id="267" r:id="rId13"/>
   </p:sldIdLst>
   <p:sldSz cx="12192000" cy="6858000"/>
   <p:notesSz cx="6858000" cy="9144000"/>
@@ -110,6 +115,11 @@
       </a:defRPr>
     </a:lvl9pPr>
   </p:defaultTextStyle>
+  <p:extLst>
+    <p:ext uri="{EFAFB233-063F-42B5-8137-9DF3F51BA10A}">
+      <p15:sldGuideLst xmlns:p15="http://schemas.microsoft.com/office/powerpoint/2012/main"/>
+    </p:ext>
+  </p:extLst>
 </p:presentation>
 </file>
 
@@ -3405,6 +3415,1270 @@
 </p:sld>
 </file>
 
+<file path=ppt/slides/slide10.xml><?xml version="1.0" encoding="utf-8"?>
+<p:sld xmlns:a="http://schemas.openxmlformats.org/drawingml/2006/main" xmlns:r="http://schemas.openxmlformats.org/officeDocument/2006/relationships" xmlns:p="http://schemas.openxmlformats.org/presentationml/2006/main">
+  <p:cSld>
+    <p:spTree>
+      <p:nvGrpSpPr>
+        <p:cNvPr id="1" name=""/>
+        <p:cNvGrpSpPr/>
+        <p:nvPr/>
+      </p:nvGrpSpPr>
+      <p:grpSpPr>
+        <a:xfrm>
+          <a:off x="0" y="0"/>
+          <a:ext cx="0" cy="0"/>
+          <a:chOff x="0" y="0"/>
+          <a:chExt cx="0" cy="0"/>
+        </a:xfrm>
+      </p:grpSpPr>
+      <p:sp>
+        <p:nvSpPr>
+          <p:cNvPr id="2" name="Título 1">
+            <a:extLst>
+              <a:ext uri="{FF2B5EF4-FFF2-40B4-BE49-F238E27FC236}">
+                <a16:creationId xmlns:a16="http://schemas.microsoft.com/office/drawing/2014/main" id="{B5468BA7-7376-4A31-9954-D37578FF0043}"/>
+              </a:ext>
+            </a:extLst>
+          </p:cNvPr>
+          <p:cNvSpPr>
+            <a:spLocks noGrp="1"/>
+          </p:cNvSpPr>
+          <p:nvPr>
+            <p:ph type="title"/>
+          </p:nvPr>
+        </p:nvSpPr>
+        <p:spPr>
+          <a:xfrm>
+            <a:off x="2298248" y="117404"/>
+            <a:ext cx="7729728" cy="1188720"/>
+          </a:xfrm>
+        </p:spPr>
+        <p:txBody>
+          <a:bodyPr/>
+          <a:lstStyle/>
+          <a:p>
+            <a:r>
+              <a:rPr lang="es-CL" dirty="0"/>
+              <a:t> </a:t>
+            </a:r>
+            <a:r>
+              <a:rPr lang="es-CL" dirty="0" err="1"/>
+              <a:t>Shape</a:t>
+            </a:r>
+            <a:r>
+              <a:rPr lang="es-CL" dirty="0"/>
+              <a:t> </a:t>
+            </a:r>
+            <a:r>
+              <a:rPr lang="es-CL" dirty="0" err="1"/>
+              <a:t>Expressions</a:t>
+            </a:r>
+            <a:endParaRPr lang="es-CL" dirty="0"/>
+          </a:p>
+        </p:txBody>
+      </p:sp>
+      <p:sp>
+        <p:nvSpPr>
+          <p:cNvPr id="5" name="Marcador de contenido 4">
+            <a:extLst>
+              <a:ext uri="{FF2B5EF4-FFF2-40B4-BE49-F238E27FC236}">
+                <a16:creationId xmlns:a16="http://schemas.microsoft.com/office/drawing/2014/main" id="{EBB6AF88-67C4-420C-85D5-440F1DF31C8F}"/>
+              </a:ext>
+            </a:extLst>
+          </p:cNvPr>
+          <p:cNvSpPr>
+            <a:spLocks noGrp="1"/>
+          </p:cNvSpPr>
+          <p:nvPr>
+            <p:ph idx="1"/>
+          </p:nvPr>
+        </p:nvSpPr>
+        <p:spPr/>
+        <p:txBody>
+          <a:bodyPr/>
+          <a:lstStyle/>
+          <a:p>
+            <a:endParaRPr lang="es-CL"/>
+          </a:p>
+        </p:txBody>
+      </p:sp>
+      <p:sp>
+        <p:nvSpPr>
+          <p:cNvPr id="6" name="Marcador de contenido 2">
+            <a:extLst>
+              <a:ext uri="{FF2B5EF4-FFF2-40B4-BE49-F238E27FC236}">
+                <a16:creationId xmlns:a16="http://schemas.microsoft.com/office/drawing/2014/main" id="{4CF0FDD4-4631-435C-A7D0-3E1FCDBCEBDC}"/>
+              </a:ext>
+            </a:extLst>
+          </p:cNvPr>
+          <p:cNvSpPr txBox="1">
+            <a:spLocks/>
+          </p:cNvSpPr>
+          <p:nvPr/>
+        </p:nvSpPr>
+        <p:spPr>
+          <a:xfrm>
+            <a:off x="752213" y="1459433"/>
+            <a:ext cx="10687574" cy="5281163"/>
+          </a:xfrm>
+          <a:prstGeom prst="rect">
+            <a:avLst/>
+          </a:prstGeom>
+          <a:solidFill>
+            <a:schemeClr val="accent6">
+              <a:lumMod val="20000"/>
+              <a:lumOff val="80000"/>
+            </a:schemeClr>
+          </a:solidFill>
+        </p:spPr>
+        <p:txBody>
+          <a:bodyPr vert="horz" lIns="91440" tIns="45720" rIns="91440" bIns="45720" rtlCol="0">
+            <a:noAutofit/>
+          </a:bodyPr>
+          <a:lstStyle>
+            <a:lvl1pPr marL="228600" indent="-228600" algn="l" defTabSz="914400" rtl="0" eaLnBrk="1" latinLnBrk="0" hangingPunct="1">
+              <a:lnSpc>
+                <a:spcPct val="100000"/>
+              </a:lnSpc>
+              <a:spcBef>
+                <a:spcPts val="1000"/>
+              </a:spcBef>
+              <a:buClr>
+                <a:schemeClr val="accent2"/>
+              </a:buClr>
+              <a:buFont typeface="Arial" panose="020B0604020202020204" pitchFamily="34" charset="0"/>
+              <a:buChar char="•"/>
+              <a:defRPr sz="1800" kern="1200">
+                <a:solidFill>
+                  <a:schemeClr val="tx1">
+                    <a:lumMod val="85000"/>
+                    <a:lumOff val="15000"/>
+                  </a:schemeClr>
+                </a:solidFill>
+                <a:latin typeface="+mn-lt"/>
+                <a:ea typeface="+mn-ea"/>
+                <a:cs typeface="+mn-cs"/>
+              </a:defRPr>
+            </a:lvl1pPr>
+            <a:lvl2pPr marL="457200" indent="-228600" algn="l" defTabSz="914400" rtl="0" eaLnBrk="1" latinLnBrk="0" hangingPunct="1">
+              <a:lnSpc>
+                <a:spcPct val="100000"/>
+              </a:lnSpc>
+              <a:spcBef>
+                <a:spcPts val="1000"/>
+              </a:spcBef>
+              <a:buClr>
+                <a:schemeClr val="accent2"/>
+              </a:buClr>
+              <a:buFont typeface="Arial" panose="020B0604020202020204" pitchFamily="34" charset="0"/>
+              <a:buChar char="•"/>
+              <a:defRPr sz="1600" kern="1200">
+                <a:solidFill>
+                  <a:schemeClr val="tx1">
+                    <a:lumMod val="85000"/>
+                    <a:lumOff val="15000"/>
+                  </a:schemeClr>
+                </a:solidFill>
+                <a:latin typeface="+mn-lt"/>
+                <a:ea typeface="+mn-ea"/>
+                <a:cs typeface="+mn-cs"/>
+              </a:defRPr>
+            </a:lvl2pPr>
+            <a:lvl3pPr marL="685800" indent="-228600" algn="l" defTabSz="914400" rtl="0" eaLnBrk="1" latinLnBrk="0" hangingPunct="1">
+              <a:lnSpc>
+                <a:spcPct val="100000"/>
+              </a:lnSpc>
+              <a:spcBef>
+                <a:spcPts val="1000"/>
+              </a:spcBef>
+              <a:buClr>
+                <a:schemeClr val="accent2"/>
+              </a:buClr>
+              <a:buFont typeface="Arial" panose="020B0604020202020204" pitchFamily="34" charset="0"/>
+              <a:buChar char="•"/>
+              <a:defRPr sz="1600" kern="1200">
+                <a:solidFill>
+                  <a:schemeClr val="tx1">
+                    <a:lumMod val="85000"/>
+                    <a:lumOff val="15000"/>
+                  </a:schemeClr>
+                </a:solidFill>
+                <a:latin typeface="+mn-lt"/>
+                <a:ea typeface="+mn-ea"/>
+                <a:cs typeface="+mn-cs"/>
+              </a:defRPr>
+            </a:lvl3pPr>
+            <a:lvl4pPr marL="914400" indent="-228600" algn="l" defTabSz="914400" rtl="0" eaLnBrk="1" latinLnBrk="0" hangingPunct="1">
+              <a:lnSpc>
+                <a:spcPct val="100000"/>
+              </a:lnSpc>
+              <a:spcBef>
+                <a:spcPts val="1000"/>
+              </a:spcBef>
+              <a:buClr>
+                <a:schemeClr val="accent2"/>
+              </a:buClr>
+              <a:buFont typeface="Arial" panose="020B0604020202020204" pitchFamily="34" charset="0"/>
+              <a:buChar char="•"/>
+              <a:defRPr sz="1600" kern="1200">
+                <a:solidFill>
+                  <a:schemeClr val="tx1">
+                    <a:lumMod val="85000"/>
+                    <a:lumOff val="15000"/>
+                  </a:schemeClr>
+                </a:solidFill>
+                <a:latin typeface="+mn-lt"/>
+                <a:ea typeface="+mn-ea"/>
+                <a:cs typeface="+mn-cs"/>
+              </a:defRPr>
+            </a:lvl4pPr>
+            <a:lvl5pPr marL="1143000" indent="-228600" algn="l" defTabSz="914400" rtl="0" eaLnBrk="1" latinLnBrk="0" hangingPunct="1">
+              <a:lnSpc>
+                <a:spcPct val="100000"/>
+              </a:lnSpc>
+              <a:spcBef>
+                <a:spcPts val="1000"/>
+              </a:spcBef>
+              <a:buClr>
+                <a:schemeClr val="accent2"/>
+              </a:buClr>
+              <a:buFont typeface="Arial" panose="020B0604020202020204" pitchFamily="34" charset="0"/>
+              <a:buChar char="•"/>
+              <a:defRPr sz="1600" kern="1200">
+                <a:solidFill>
+                  <a:schemeClr val="tx1">
+                    <a:lumMod val="85000"/>
+                    <a:lumOff val="15000"/>
+                  </a:schemeClr>
+                </a:solidFill>
+                <a:latin typeface="+mn-lt"/>
+                <a:ea typeface="+mn-ea"/>
+                <a:cs typeface="+mn-cs"/>
+              </a:defRPr>
+            </a:lvl5pPr>
+            <a:lvl6pPr marL="1312863" indent="-228600" algn="l" defTabSz="914400" rtl="0" eaLnBrk="1" latinLnBrk="0" hangingPunct="1">
+              <a:lnSpc>
+                <a:spcPct val="100000"/>
+              </a:lnSpc>
+              <a:spcBef>
+                <a:spcPts val="1000"/>
+              </a:spcBef>
+              <a:buClr>
+                <a:schemeClr val="accent2"/>
+              </a:buClr>
+              <a:buFont typeface="Arial" panose="020B0604020202020204" pitchFamily="34" charset="0"/>
+              <a:buChar char="•"/>
+              <a:defRPr sz="1600" kern="1200">
+                <a:solidFill>
+                  <a:schemeClr val="tx1"/>
+                </a:solidFill>
+                <a:latin typeface="+mn-lt"/>
+                <a:ea typeface="+mn-ea"/>
+                <a:cs typeface="+mn-cs"/>
+              </a:defRPr>
+            </a:lvl6pPr>
+            <a:lvl7pPr marL="1484313" indent="-228600" algn="l" defTabSz="914400" rtl="0" eaLnBrk="1" latinLnBrk="0" hangingPunct="1">
+              <a:lnSpc>
+                <a:spcPct val="100000"/>
+              </a:lnSpc>
+              <a:spcBef>
+                <a:spcPts val="1000"/>
+              </a:spcBef>
+              <a:buClr>
+                <a:schemeClr val="accent2"/>
+              </a:buClr>
+              <a:buFont typeface="Arial" panose="020B0604020202020204" pitchFamily="34" charset="0"/>
+              <a:buChar char="•"/>
+              <a:defRPr sz="1600" kern="1200">
+                <a:solidFill>
+                  <a:schemeClr val="tx1"/>
+                </a:solidFill>
+                <a:latin typeface="+mn-lt"/>
+                <a:ea typeface="+mn-ea"/>
+                <a:cs typeface="+mn-cs"/>
+              </a:defRPr>
+            </a:lvl7pPr>
+            <a:lvl8pPr marL="1657350" indent="-228600" algn="l" defTabSz="914400" rtl="0" eaLnBrk="1" latinLnBrk="0" hangingPunct="1">
+              <a:lnSpc>
+                <a:spcPct val="100000"/>
+              </a:lnSpc>
+              <a:spcBef>
+                <a:spcPts val="1000"/>
+              </a:spcBef>
+              <a:buClr>
+                <a:schemeClr val="accent2"/>
+              </a:buClr>
+              <a:buFont typeface="Arial" panose="020B0604020202020204" pitchFamily="34" charset="0"/>
+              <a:buChar char="•"/>
+              <a:defRPr sz="1600" kern="1200" baseline="0">
+                <a:solidFill>
+                  <a:schemeClr val="tx1"/>
+                </a:solidFill>
+                <a:latin typeface="+mn-lt"/>
+                <a:ea typeface="+mn-ea"/>
+                <a:cs typeface="+mn-cs"/>
+              </a:defRPr>
+            </a:lvl8pPr>
+            <a:lvl9pPr marL="1882775" indent="-228600" algn="l" defTabSz="914400" rtl="0" eaLnBrk="1" latinLnBrk="0" hangingPunct="1">
+              <a:lnSpc>
+                <a:spcPct val="100000"/>
+              </a:lnSpc>
+              <a:spcBef>
+                <a:spcPts val="1000"/>
+              </a:spcBef>
+              <a:buClr>
+                <a:schemeClr val="accent2"/>
+              </a:buClr>
+              <a:buFont typeface="Arial" panose="020B0604020202020204" pitchFamily="34" charset="0"/>
+              <a:buChar char="•"/>
+              <a:defRPr sz="1600" kern="1200" baseline="0">
+                <a:solidFill>
+                  <a:schemeClr val="tx1"/>
+                </a:solidFill>
+                <a:latin typeface="+mn-lt"/>
+                <a:ea typeface="+mn-ea"/>
+                <a:cs typeface="+mn-cs"/>
+              </a:defRPr>
+            </a:lvl9pPr>
+          </a:lstStyle>
+          <a:p>
+            <a:pPr marL="0" indent="0">
+              <a:buNone/>
+            </a:pPr>
+            <a:r>
+              <a:rPr lang="es-CL" sz="1100" dirty="0">
+                <a:solidFill>
+                  <a:schemeClr val="tx1"/>
+                </a:solidFill>
+                <a:latin typeface="Consolas" panose="020B0609020204030204" pitchFamily="49" charset="0"/>
+              </a:rPr>
+              <a:t># Prefijos correspondientes.</a:t>
+            </a:r>
+          </a:p>
+          <a:p>
+            <a:pPr marL="0" indent="0">
+              <a:buNone/>
+            </a:pPr>
+            <a:r>
+              <a:rPr lang="es-CL" sz="1100" dirty="0">
+                <a:solidFill>
+                  <a:schemeClr val="tx1"/>
+                </a:solidFill>
+                <a:latin typeface="Consolas" panose="020B0609020204030204" pitchFamily="49" charset="0"/>
+              </a:rPr>
+              <a:t>PREFIX </a:t>
+            </a:r>
+            <a:r>
+              <a:rPr lang="es-CL" sz="1100" dirty="0" err="1">
+                <a:solidFill>
+                  <a:schemeClr val="tx1"/>
+                </a:solidFill>
+                <a:latin typeface="Consolas" panose="020B0609020204030204" pitchFamily="49" charset="0"/>
+              </a:rPr>
+              <a:t>rdf</a:t>
+            </a:r>
+            <a:r>
+              <a:rPr lang="es-CL" sz="1100" dirty="0">
+                <a:solidFill>
+                  <a:schemeClr val="tx1"/>
+                </a:solidFill>
+                <a:latin typeface="Consolas" panose="020B0609020204030204" pitchFamily="49" charset="0"/>
+              </a:rPr>
+              <a:t>: &lt;http://www.w3.org/1999/02/22-rdf-syntax-ns#&gt;</a:t>
+            </a:r>
+          </a:p>
+          <a:p>
+            <a:pPr marL="0" indent="0">
+              <a:buNone/>
+            </a:pPr>
+            <a:r>
+              <a:rPr lang="es-CL" sz="1100" dirty="0">
+                <a:solidFill>
+                  <a:schemeClr val="tx1"/>
+                </a:solidFill>
+                <a:latin typeface="Consolas" panose="020B0609020204030204" pitchFamily="49" charset="0"/>
+              </a:rPr>
+              <a:t>PREFIX </a:t>
+            </a:r>
+            <a:r>
+              <a:rPr lang="es-CL" sz="1100" dirty="0" err="1">
+                <a:solidFill>
+                  <a:schemeClr val="tx1"/>
+                </a:solidFill>
+                <a:latin typeface="Consolas" panose="020B0609020204030204" pitchFamily="49" charset="0"/>
+              </a:rPr>
+              <a:t>rdfs</a:t>
+            </a:r>
+            <a:r>
+              <a:rPr lang="es-CL" sz="1100" dirty="0">
+                <a:solidFill>
+                  <a:schemeClr val="tx1"/>
+                </a:solidFill>
+                <a:latin typeface="Consolas" panose="020B0609020204030204" pitchFamily="49" charset="0"/>
+              </a:rPr>
+              <a:t>: &lt;http://www.w3.org/2000/01/rdf-schema#&gt;</a:t>
+            </a:r>
+          </a:p>
+          <a:p>
+            <a:pPr marL="0" indent="0">
+              <a:buNone/>
+            </a:pPr>
+            <a:r>
+              <a:rPr lang="es-CL" sz="1100" dirty="0">
+                <a:solidFill>
+                  <a:schemeClr val="tx1"/>
+                </a:solidFill>
+                <a:latin typeface="Consolas" panose="020B0609020204030204" pitchFamily="49" charset="0"/>
+              </a:rPr>
+              <a:t>PREFIX </a:t>
+            </a:r>
+            <a:r>
+              <a:rPr lang="es-CL" sz="1100" dirty="0" err="1">
+                <a:solidFill>
+                  <a:schemeClr val="tx1"/>
+                </a:solidFill>
+                <a:latin typeface="Consolas" panose="020B0609020204030204" pitchFamily="49" charset="0"/>
+              </a:rPr>
+              <a:t>wd</a:t>
+            </a:r>
+            <a:r>
+              <a:rPr lang="es-CL" sz="1100" dirty="0">
+                <a:solidFill>
+                  <a:schemeClr val="tx1"/>
+                </a:solidFill>
+                <a:latin typeface="Consolas" panose="020B0609020204030204" pitchFamily="49" charset="0"/>
+              </a:rPr>
+              <a:t>: &lt;http://data.getede.cl/entity/&gt;</a:t>
+            </a:r>
+          </a:p>
+          <a:p>
+            <a:pPr marL="0" indent="0">
+              <a:buNone/>
+            </a:pPr>
+            <a:r>
+              <a:rPr lang="es-CL" sz="1100" dirty="0">
+                <a:solidFill>
+                  <a:schemeClr val="tx1"/>
+                </a:solidFill>
+                <a:latin typeface="Consolas" panose="020B0609020204030204" pitchFamily="49" charset="0"/>
+              </a:rPr>
+              <a:t>PREFIX </a:t>
+            </a:r>
+            <a:r>
+              <a:rPr lang="es-CL" sz="1100" dirty="0" err="1">
+                <a:solidFill>
+                  <a:schemeClr val="tx1"/>
+                </a:solidFill>
+                <a:latin typeface="Consolas" panose="020B0609020204030204" pitchFamily="49" charset="0"/>
+              </a:rPr>
+              <a:t>wdt</a:t>
+            </a:r>
+            <a:r>
+              <a:rPr lang="es-CL" sz="1100" dirty="0">
+                <a:solidFill>
+                  <a:schemeClr val="tx1"/>
+                </a:solidFill>
+                <a:latin typeface="Consolas" panose="020B0609020204030204" pitchFamily="49" charset="0"/>
+              </a:rPr>
+              <a:t>: &lt;http://data.getede.cl/prop/direct/&gt;</a:t>
+            </a:r>
+          </a:p>
+          <a:p>
+            <a:pPr marL="0" indent="0">
+              <a:buNone/>
+            </a:pPr>
+            <a:r>
+              <a:rPr lang="es-CL" sz="1100" dirty="0">
+                <a:solidFill>
+                  <a:schemeClr val="tx1"/>
+                </a:solidFill>
+                <a:latin typeface="Consolas" panose="020B0609020204030204" pitchFamily="49" charset="0"/>
+              </a:rPr>
+              <a:t># Para verificar se requiere un inicio, en este caso es el inicio de la verificación de la entidad asignatura.</a:t>
+            </a:r>
+          </a:p>
+          <a:p>
+            <a:pPr marL="0" indent="0">
+              <a:buNone/>
+            </a:pPr>
+            <a:r>
+              <a:rPr lang="es-CL" sz="1100" dirty="0" err="1">
+                <a:solidFill>
+                  <a:schemeClr val="tx1"/>
+                </a:solidFill>
+                <a:latin typeface="Consolas" panose="020B0609020204030204" pitchFamily="49" charset="0"/>
+              </a:rPr>
+              <a:t>start</a:t>
+            </a:r>
+            <a:r>
+              <a:rPr lang="es-CL" sz="1100" dirty="0">
+                <a:solidFill>
+                  <a:schemeClr val="tx1"/>
+                </a:solidFill>
+                <a:latin typeface="Consolas" panose="020B0609020204030204" pitchFamily="49" charset="0"/>
+              </a:rPr>
+              <a:t> = @&lt;asignatura&gt;</a:t>
+            </a:r>
+          </a:p>
+          <a:p>
+            <a:pPr marL="0" indent="0">
+              <a:buNone/>
+            </a:pPr>
+            <a:r>
+              <a:rPr lang="es-CL" sz="1100" dirty="0">
+                <a:solidFill>
+                  <a:schemeClr val="tx1"/>
+                </a:solidFill>
+                <a:latin typeface="Consolas" panose="020B0609020204030204" pitchFamily="49" charset="0"/>
+              </a:rPr>
+              <a:t># Acá se ingresa la validación de la asignatura</a:t>
+            </a:r>
+          </a:p>
+          <a:p>
+            <a:pPr marL="0" indent="0">
+              <a:buNone/>
+            </a:pPr>
+            <a:r>
+              <a:rPr lang="es-CL" sz="1100" dirty="0">
+                <a:solidFill>
+                  <a:schemeClr val="tx1"/>
+                </a:solidFill>
+                <a:latin typeface="Consolas" panose="020B0609020204030204" pitchFamily="49" charset="0"/>
+              </a:rPr>
+              <a:t>&lt;asignatura&gt; EXTRA wdt:P31 {</a:t>
+            </a:r>
+          </a:p>
+          <a:p>
+            <a:pPr marL="0" indent="0">
+              <a:buNone/>
+            </a:pPr>
+            <a:r>
+              <a:rPr lang="es-CL" sz="1100" dirty="0">
+                <a:solidFill>
+                  <a:schemeClr val="tx1"/>
+                </a:solidFill>
+                <a:latin typeface="Consolas" panose="020B0609020204030204" pitchFamily="49" charset="0"/>
+              </a:rPr>
+              <a:t>  wdt:P31 [wd:Q4];   # El ramo debe ser una instancia de Asignatura (Q4)</a:t>
+            </a:r>
+          </a:p>
+          <a:p>
+            <a:pPr marL="0" indent="0">
+              <a:buNone/>
+            </a:pPr>
+            <a:r>
+              <a:rPr lang="es-CL" sz="1100" dirty="0">
+                <a:solidFill>
+                  <a:schemeClr val="tx1"/>
+                </a:solidFill>
+                <a:latin typeface="Consolas" panose="020B0609020204030204" pitchFamily="49" charset="0"/>
+              </a:rPr>
+              <a:t>  wdt:P2 . *;   # nombre</a:t>
+            </a:r>
+          </a:p>
+          <a:p>
+            <a:pPr marL="0" indent="0">
+              <a:buNone/>
+            </a:pPr>
+            <a:r>
+              <a:rPr lang="es-CL" sz="1100" dirty="0">
+                <a:solidFill>
+                  <a:schemeClr val="tx1"/>
+                </a:solidFill>
+                <a:latin typeface="Consolas" panose="020B0609020204030204" pitchFamily="49" charset="0"/>
+              </a:rPr>
+              <a:t>  wdt:P3 . *;   # </a:t>
+            </a:r>
+            <a:r>
+              <a:rPr lang="es-CL" sz="1100" dirty="0" err="1">
+                <a:solidFill>
+                  <a:schemeClr val="tx1"/>
+                </a:solidFill>
+                <a:latin typeface="Consolas" panose="020B0609020204030204" pitchFamily="49" charset="0"/>
+              </a:rPr>
+              <a:t>area</a:t>
+            </a:r>
+            <a:endParaRPr lang="es-CL" sz="1100" dirty="0">
+              <a:solidFill>
+                <a:schemeClr val="tx1"/>
+              </a:solidFill>
+              <a:latin typeface="Consolas" panose="020B0609020204030204" pitchFamily="49" charset="0"/>
+            </a:endParaRPr>
+          </a:p>
+          <a:p>
+            <a:pPr marL="0" indent="0">
+              <a:buNone/>
+            </a:pPr>
+            <a:r>
+              <a:rPr lang="es-CL" sz="1100" dirty="0">
+                <a:solidFill>
+                  <a:schemeClr val="tx1"/>
+                </a:solidFill>
+                <a:latin typeface="Consolas" panose="020B0609020204030204" pitchFamily="49" charset="0"/>
+              </a:rPr>
+              <a:t>  wdt:P5 . *;   # sigla</a:t>
+            </a:r>
+          </a:p>
+          <a:p>
+            <a:pPr marL="0" indent="0">
+              <a:buNone/>
+            </a:pPr>
+            <a:r>
+              <a:rPr lang="es-CL" sz="1100" dirty="0">
+                <a:solidFill>
+                  <a:schemeClr val="tx1"/>
+                </a:solidFill>
+                <a:latin typeface="Consolas" panose="020B0609020204030204" pitchFamily="49" charset="0"/>
+              </a:rPr>
+              <a:t>  wdt:P9 . *;   # </a:t>
+            </a:r>
+            <a:r>
+              <a:rPr lang="es-CL" sz="1100" dirty="0" err="1">
+                <a:solidFill>
+                  <a:schemeClr val="tx1"/>
+                </a:solidFill>
+                <a:latin typeface="Consolas" panose="020B0609020204030204" pitchFamily="49" charset="0"/>
+              </a:rPr>
+              <a:t>creditos</a:t>
+            </a:r>
+            <a:endParaRPr lang="es-CL" sz="1100" dirty="0">
+              <a:solidFill>
+                <a:schemeClr val="tx1"/>
+              </a:solidFill>
+              <a:latin typeface="Consolas" panose="020B0609020204030204" pitchFamily="49" charset="0"/>
+            </a:endParaRPr>
+          </a:p>
+          <a:p>
+            <a:pPr marL="0" indent="0">
+              <a:buNone/>
+            </a:pPr>
+            <a:r>
+              <a:rPr lang="es-CL" sz="1100" dirty="0">
+                <a:solidFill>
+                  <a:schemeClr val="tx1"/>
+                </a:solidFill>
+                <a:latin typeface="Consolas" panose="020B0609020204030204" pitchFamily="49" charset="0"/>
+              </a:rPr>
+              <a:t>  wdt:P7 . *;   # calidad</a:t>
+            </a:r>
+          </a:p>
+          <a:p>
+            <a:pPr marL="0" indent="0">
+              <a:buNone/>
+            </a:pPr>
+            <a:r>
+              <a:rPr lang="es-CL" sz="1100" dirty="0">
+                <a:solidFill>
+                  <a:schemeClr val="tx1"/>
+                </a:solidFill>
+                <a:latin typeface="Consolas" panose="020B0609020204030204" pitchFamily="49" charset="0"/>
+              </a:rPr>
+              <a:t>  wdt:P11 @&lt;asignatura&gt; ?;  # </a:t>
+            </a:r>
+            <a:r>
+              <a:rPr lang="es-CL" sz="1100" dirty="0" err="1">
+                <a:solidFill>
+                  <a:schemeClr val="tx1"/>
+                </a:solidFill>
+                <a:latin typeface="Consolas" panose="020B0609020204030204" pitchFamily="49" charset="0"/>
+              </a:rPr>
+              <a:t>prerequisito</a:t>
+            </a:r>
+            <a:endParaRPr lang="es-CL" sz="1100" dirty="0">
+              <a:solidFill>
+                <a:schemeClr val="tx1"/>
+              </a:solidFill>
+              <a:latin typeface="Consolas" panose="020B0609020204030204" pitchFamily="49" charset="0"/>
+            </a:endParaRPr>
+          </a:p>
+          <a:p>
+            <a:pPr marL="0" indent="0">
+              <a:buNone/>
+            </a:pPr>
+            <a:r>
+              <a:rPr lang="es-CL" sz="1100" dirty="0">
+                <a:solidFill>
+                  <a:schemeClr val="tx1"/>
+                </a:solidFill>
+                <a:latin typeface="Consolas" panose="020B0609020204030204" pitchFamily="49" charset="0"/>
+              </a:rPr>
+              <a:t>  </a:t>
+            </a:r>
+            <a:r>
+              <a:rPr lang="es-CL" sz="1100" dirty="0" err="1">
+                <a:solidFill>
+                  <a:schemeClr val="tx1"/>
+                </a:solidFill>
+                <a:latin typeface="Consolas" panose="020B0609020204030204" pitchFamily="49" charset="0"/>
+              </a:rPr>
+              <a:t>rdfs:label</a:t>
+            </a:r>
+            <a:r>
+              <a:rPr lang="es-CL" sz="1100" dirty="0">
+                <a:solidFill>
+                  <a:schemeClr val="tx1"/>
+                </a:solidFill>
+                <a:latin typeface="Consolas" panose="020B0609020204030204" pitchFamily="49" charset="0"/>
+              </a:rPr>
+              <a:t> </a:t>
+            </a:r>
+            <a:r>
+              <a:rPr lang="es-CL" sz="1100" dirty="0" err="1">
+                <a:solidFill>
+                  <a:schemeClr val="tx1"/>
+                </a:solidFill>
+                <a:latin typeface="Consolas" panose="020B0609020204030204" pitchFamily="49" charset="0"/>
+              </a:rPr>
+              <a:t>rdf:langString</a:t>
+            </a:r>
+            <a:r>
+              <a:rPr lang="es-CL" sz="1100" dirty="0">
+                <a:solidFill>
+                  <a:schemeClr val="tx1"/>
+                </a:solidFill>
+                <a:latin typeface="Consolas" panose="020B0609020204030204" pitchFamily="49" charset="0"/>
+              </a:rPr>
+              <a:t>+;</a:t>
+            </a:r>
+          </a:p>
+          <a:p>
+            <a:pPr marL="0" indent="0">
+              <a:buNone/>
+            </a:pPr>
+            <a:r>
+              <a:rPr lang="es-CL" sz="1100" dirty="0">
+                <a:solidFill>
+                  <a:schemeClr val="tx1"/>
+                </a:solidFill>
+                <a:latin typeface="Consolas" panose="020B0609020204030204" pitchFamily="49" charset="0"/>
+              </a:rPr>
+              <a:t>}</a:t>
+            </a:r>
+          </a:p>
+        </p:txBody>
+      </p:sp>
+    </p:spTree>
+    <p:extLst>
+      <p:ext uri="{BB962C8B-B14F-4D97-AF65-F5344CB8AC3E}">
+        <p14:creationId xmlns:p14="http://schemas.microsoft.com/office/powerpoint/2010/main" val="944238841"/>
+      </p:ext>
+    </p:extLst>
+  </p:cSld>
+  <p:clrMapOvr>
+    <a:masterClrMapping/>
+  </p:clrMapOvr>
+</p:sld>
+</file>
+
+<file path=ppt/slides/slide11.xml><?xml version="1.0" encoding="utf-8"?>
+<p:sld xmlns:a="http://schemas.openxmlformats.org/drawingml/2006/main" xmlns:r="http://schemas.openxmlformats.org/officeDocument/2006/relationships" xmlns:p="http://schemas.openxmlformats.org/presentationml/2006/main">
+  <p:cSld>
+    <p:spTree>
+      <p:nvGrpSpPr>
+        <p:cNvPr id="1" name=""/>
+        <p:cNvGrpSpPr/>
+        <p:nvPr/>
+      </p:nvGrpSpPr>
+      <p:grpSpPr>
+        <a:xfrm>
+          <a:off x="0" y="0"/>
+          <a:ext cx="0" cy="0"/>
+          <a:chOff x="0" y="0"/>
+          <a:chExt cx="0" cy="0"/>
+        </a:xfrm>
+      </p:grpSpPr>
+      <p:sp>
+        <p:nvSpPr>
+          <p:cNvPr id="2" name="Título 1">
+            <a:extLst>
+              <a:ext uri="{FF2B5EF4-FFF2-40B4-BE49-F238E27FC236}">
+                <a16:creationId xmlns:a16="http://schemas.microsoft.com/office/drawing/2014/main" id="{B5468BA7-7376-4A31-9954-D37578FF0043}"/>
+              </a:ext>
+            </a:extLst>
+          </p:cNvPr>
+          <p:cNvSpPr>
+            <a:spLocks noGrp="1"/>
+          </p:cNvSpPr>
+          <p:nvPr>
+            <p:ph type="title"/>
+          </p:nvPr>
+        </p:nvSpPr>
+        <p:spPr/>
+        <p:txBody>
+          <a:bodyPr/>
+          <a:lstStyle/>
+          <a:p>
+            <a:r>
+              <a:rPr lang="es-CL" dirty="0"/>
+              <a:t>Verificar </a:t>
+            </a:r>
+            <a:r>
+              <a:rPr lang="es-CL" dirty="0" err="1"/>
+              <a:t>schema</a:t>
+            </a:r>
+            <a:endParaRPr lang="es-CL" dirty="0"/>
+          </a:p>
+        </p:txBody>
+      </p:sp>
+      <p:sp>
+        <p:nvSpPr>
+          <p:cNvPr id="3" name="Marcador de contenido 2">
+            <a:extLst>
+              <a:ext uri="{FF2B5EF4-FFF2-40B4-BE49-F238E27FC236}">
+                <a16:creationId xmlns:a16="http://schemas.microsoft.com/office/drawing/2014/main" id="{4B0808DA-B718-43D5-8649-F133A8808E44}"/>
+              </a:ext>
+            </a:extLst>
+          </p:cNvPr>
+          <p:cNvSpPr>
+            <a:spLocks noGrp="1"/>
+          </p:cNvSpPr>
+          <p:nvPr>
+            <p:ph idx="1"/>
+          </p:nvPr>
+        </p:nvSpPr>
+        <p:spPr/>
+        <p:txBody>
+          <a:bodyPr/>
+          <a:lstStyle/>
+          <a:p>
+            <a:pPr marL="0" indent="0">
+              <a:buNone/>
+            </a:pPr>
+            <a:r>
+              <a:rPr lang="es-CL" dirty="0"/>
+              <a:t>https://tools.wmflabs.org/shex-simple/wikidata/packages/shex-webapp/doc/shex-simple.html?data=Endpoint:</a:t>
+            </a:r>
+            <a:r>
+              <a:rPr lang="es-CL" dirty="0">
+                <a:solidFill>
+                  <a:srgbClr val="FF0000"/>
+                </a:solidFill>
+              </a:rPr>
+              <a:t>https://qs.getede.cl/sparql</a:t>
+            </a:r>
+            <a:r>
+              <a:rPr lang="es-CL" dirty="0"/>
+              <a:t>&amp;hideData&amp;manifest=[]&amp;textMapIsSparqlQuery&amp;schemaURL=</a:t>
+            </a:r>
+            <a:r>
+              <a:rPr lang="es-CL" dirty="0">
+                <a:solidFill>
+                  <a:srgbClr val="FF0000"/>
+                </a:solidFill>
+              </a:rPr>
+              <a:t>//data.getede.cl/wiki/Special:EntitySchemaText/E2 </a:t>
+            </a:r>
+          </a:p>
+        </p:txBody>
+      </p:sp>
+    </p:spTree>
+    <p:extLst>
+      <p:ext uri="{BB962C8B-B14F-4D97-AF65-F5344CB8AC3E}">
+        <p14:creationId xmlns:p14="http://schemas.microsoft.com/office/powerpoint/2010/main" val="2586802152"/>
+      </p:ext>
+    </p:extLst>
+  </p:cSld>
+  <p:clrMapOvr>
+    <a:masterClrMapping/>
+  </p:clrMapOvr>
+</p:sld>
+</file>
+
+<file path=ppt/slides/slide12.xml><?xml version="1.0" encoding="utf-8"?>
+<p:sld xmlns:a="http://schemas.openxmlformats.org/drawingml/2006/main" xmlns:r="http://schemas.openxmlformats.org/officeDocument/2006/relationships" xmlns:p="http://schemas.openxmlformats.org/presentationml/2006/main">
+  <p:cSld>
+    <p:spTree>
+      <p:nvGrpSpPr>
+        <p:cNvPr id="1" name=""/>
+        <p:cNvGrpSpPr/>
+        <p:nvPr/>
+      </p:nvGrpSpPr>
+      <p:grpSpPr>
+        <a:xfrm>
+          <a:off x="0" y="0"/>
+          <a:ext cx="0" cy="0"/>
+          <a:chOff x="0" y="0"/>
+          <a:chExt cx="0" cy="0"/>
+        </a:xfrm>
+      </p:grpSpPr>
+      <p:sp>
+        <p:nvSpPr>
+          <p:cNvPr id="6" name="Marcador de contenido 2">
+            <a:extLst>
+              <a:ext uri="{FF2B5EF4-FFF2-40B4-BE49-F238E27FC236}">
+                <a16:creationId xmlns:a16="http://schemas.microsoft.com/office/drawing/2014/main" id="{4CF0FDD4-4631-435C-A7D0-3E1FCDBCEBDC}"/>
+              </a:ext>
+            </a:extLst>
+          </p:cNvPr>
+          <p:cNvSpPr txBox="1">
+            <a:spLocks/>
+          </p:cNvSpPr>
+          <p:nvPr/>
+        </p:nvSpPr>
+        <p:spPr>
+          <a:xfrm>
+            <a:off x="2525086" y="2652892"/>
+            <a:ext cx="6878972" cy="1552215"/>
+          </a:xfrm>
+          <a:prstGeom prst="rect">
+            <a:avLst/>
+          </a:prstGeom>
+          <a:solidFill>
+            <a:schemeClr val="accent6">
+              <a:lumMod val="20000"/>
+              <a:lumOff val="80000"/>
+            </a:schemeClr>
+          </a:solidFill>
+        </p:spPr>
+        <p:txBody>
+          <a:bodyPr vert="horz" lIns="91440" tIns="45720" rIns="91440" bIns="45720" rtlCol="0">
+            <a:noAutofit/>
+          </a:bodyPr>
+          <a:lstStyle>
+            <a:lvl1pPr marL="228600" indent="-228600" algn="l" defTabSz="914400" rtl="0" eaLnBrk="1" latinLnBrk="0" hangingPunct="1">
+              <a:lnSpc>
+                <a:spcPct val="100000"/>
+              </a:lnSpc>
+              <a:spcBef>
+                <a:spcPts val="1000"/>
+              </a:spcBef>
+              <a:buClr>
+                <a:schemeClr val="accent2"/>
+              </a:buClr>
+              <a:buFont typeface="Arial" panose="020B0604020202020204" pitchFamily="34" charset="0"/>
+              <a:buChar char="•"/>
+              <a:defRPr sz="1800" kern="1200">
+                <a:solidFill>
+                  <a:schemeClr val="tx1">
+                    <a:lumMod val="85000"/>
+                    <a:lumOff val="15000"/>
+                  </a:schemeClr>
+                </a:solidFill>
+                <a:latin typeface="+mn-lt"/>
+                <a:ea typeface="+mn-ea"/>
+                <a:cs typeface="+mn-cs"/>
+              </a:defRPr>
+            </a:lvl1pPr>
+            <a:lvl2pPr marL="457200" indent="-228600" algn="l" defTabSz="914400" rtl="0" eaLnBrk="1" latinLnBrk="0" hangingPunct="1">
+              <a:lnSpc>
+                <a:spcPct val="100000"/>
+              </a:lnSpc>
+              <a:spcBef>
+                <a:spcPts val="1000"/>
+              </a:spcBef>
+              <a:buClr>
+                <a:schemeClr val="accent2"/>
+              </a:buClr>
+              <a:buFont typeface="Arial" panose="020B0604020202020204" pitchFamily="34" charset="0"/>
+              <a:buChar char="•"/>
+              <a:defRPr sz="1600" kern="1200">
+                <a:solidFill>
+                  <a:schemeClr val="tx1">
+                    <a:lumMod val="85000"/>
+                    <a:lumOff val="15000"/>
+                  </a:schemeClr>
+                </a:solidFill>
+                <a:latin typeface="+mn-lt"/>
+                <a:ea typeface="+mn-ea"/>
+                <a:cs typeface="+mn-cs"/>
+              </a:defRPr>
+            </a:lvl2pPr>
+            <a:lvl3pPr marL="685800" indent="-228600" algn="l" defTabSz="914400" rtl="0" eaLnBrk="1" latinLnBrk="0" hangingPunct="1">
+              <a:lnSpc>
+                <a:spcPct val="100000"/>
+              </a:lnSpc>
+              <a:spcBef>
+                <a:spcPts val="1000"/>
+              </a:spcBef>
+              <a:buClr>
+                <a:schemeClr val="accent2"/>
+              </a:buClr>
+              <a:buFont typeface="Arial" panose="020B0604020202020204" pitchFamily="34" charset="0"/>
+              <a:buChar char="•"/>
+              <a:defRPr sz="1600" kern="1200">
+                <a:solidFill>
+                  <a:schemeClr val="tx1">
+                    <a:lumMod val="85000"/>
+                    <a:lumOff val="15000"/>
+                  </a:schemeClr>
+                </a:solidFill>
+                <a:latin typeface="+mn-lt"/>
+                <a:ea typeface="+mn-ea"/>
+                <a:cs typeface="+mn-cs"/>
+              </a:defRPr>
+            </a:lvl3pPr>
+            <a:lvl4pPr marL="914400" indent="-228600" algn="l" defTabSz="914400" rtl="0" eaLnBrk="1" latinLnBrk="0" hangingPunct="1">
+              <a:lnSpc>
+                <a:spcPct val="100000"/>
+              </a:lnSpc>
+              <a:spcBef>
+                <a:spcPts val="1000"/>
+              </a:spcBef>
+              <a:buClr>
+                <a:schemeClr val="accent2"/>
+              </a:buClr>
+              <a:buFont typeface="Arial" panose="020B0604020202020204" pitchFamily="34" charset="0"/>
+              <a:buChar char="•"/>
+              <a:defRPr sz="1600" kern="1200">
+                <a:solidFill>
+                  <a:schemeClr val="tx1">
+                    <a:lumMod val="85000"/>
+                    <a:lumOff val="15000"/>
+                  </a:schemeClr>
+                </a:solidFill>
+                <a:latin typeface="+mn-lt"/>
+                <a:ea typeface="+mn-ea"/>
+                <a:cs typeface="+mn-cs"/>
+              </a:defRPr>
+            </a:lvl4pPr>
+            <a:lvl5pPr marL="1143000" indent="-228600" algn="l" defTabSz="914400" rtl="0" eaLnBrk="1" latinLnBrk="0" hangingPunct="1">
+              <a:lnSpc>
+                <a:spcPct val="100000"/>
+              </a:lnSpc>
+              <a:spcBef>
+                <a:spcPts val="1000"/>
+              </a:spcBef>
+              <a:buClr>
+                <a:schemeClr val="accent2"/>
+              </a:buClr>
+              <a:buFont typeface="Arial" panose="020B0604020202020204" pitchFamily="34" charset="0"/>
+              <a:buChar char="•"/>
+              <a:defRPr sz="1600" kern="1200">
+                <a:solidFill>
+                  <a:schemeClr val="tx1">
+                    <a:lumMod val="85000"/>
+                    <a:lumOff val="15000"/>
+                  </a:schemeClr>
+                </a:solidFill>
+                <a:latin typeface="+mn-lt"/>
+                <a:ea typeface="+mn-ea"/>
+                <a:cs typeface="+mn-cs"/>
+              </a:defRPr>
+            </a:lvl5pPr>
+            <a:lvl6pPr marL="1312863" indent="-228600" algn="l" defTabSz="914400" rtl="0" eaLnBrk="1" latinLnBrk="0" hangingPunct="1">
+              <a:lnSpc>
+                <a:spcPct val="100000"/>
+              </a:lnSpc>
+              <a:spcBef>
+                <a:spcPts val="1000"/>
+              </a:spcBef>
+              <a:buClr>
+                <a:schemeClr val="accent2"/>
+              </a:buClr>
+              <a:buFont typeface="Arial" panose="020B0604020202020204" pitchFamily="34" charset="0"/>
+              <a:buChar char="•"/>
+              <a:defRPr sz="1600" kern="1200">
+                <a:solidFill>
+                  <a:schemeClr val="tx1"/>
+                </a:solidFill>
+                <a:latin typeface="+mn-lt"/>
+                <a:ea typeface="+mn-ea"/>
+                <a:cs typeface="+mn-cs"/>
+              </a:defRPr>
+            </a:lvl6pPr>
+            <a:lvl7pPr marL="1484313" indent="-228600" algn="l" defTabSz="914400" rtl="0" eaLnBrk="1" latinLnBrk="0" hangingPunct="1">
+              <a:lnSpc>
+                <a:spcPct val="100000"/>
+              </a:lnSpc>
+              <a:spcBef>
+                <a:spcPts val="1000"/>
+              </a:spcBef>
+              <a:buClr>
+                <a:schemeClr val="accent2"/>
+              </a:buClr>
+              <a:buFont typeface="Arial" panose="020B0604020202020204" pitchFamily="34" charset="0"/>
+              <a:buChar char="•"/>
+              <a:defRPr sz="1600" kern="1200">
+                <a:solidFill>
+                  <a:schemeClr val="tx1"/>
+                </a:solidFill>
+                <a:latin typeface="+mn-lt"/>
+                <a:ea typeface="+mn-ea"/>
+                <a:cs typeface="+mn-cs"/>
+              </a:defRPr>
+            </a:lvl7pPr>
+            <a:lvl8pPr marL="1657350" indent="-228600" algn="l" defTabSz="914400" rtl="0" eaLnBrk="1" latinLnBrk="0" hangingPunct="1">
+              <a:lnSpc>
+                <a:spcPct val="100000"/>
+              </a:lnSpc>
+              <a:spcBef>
+                <a:spcPts val="1000"/>
+              </a:spcBef>
+              <a:buClr>
+                <a:schemeClr val="accent2"/>
+              </a:buClr>
+              <a:buFont typeface="Arial" panose="020B0604020202020204" pitchFamily="34" charset="0"/>
+              <a:buChar char="•"/>
+              <a:defRPr sz="1600" kern="1200" baseline="0">
+                <a:solidFill>
+                  <a:schemeClr val="tx1"/>
+                </a:solidFill>
+                <a:latin typeface="+mn-lt"/>
+                <a:ea typeface="+mn-ea"/>
+                <a:cs typeface="+mn-cs"/>
+              </a:defRPr>
+            </a:lvl8pPr>
+            <a:lvl9pPr marL="1882775" indent="-228600" algn="l" defTabSz="914400" rtl="0" eaLnBrk="1" latinLnBrk="0" hangingPunct="1">
+              <a:lnSpc>
+                <a:spcPct val="100000"/>
+              </a:lnSpc>
+              <a:spcBef>
+                <a:spcPts val="1000"/>
+              </a:spcBef>
+              <a:buClr>
+                <a:schemeClr val="accent2"/>
+              </a:buClr>
+              <a:buFont typeface="Arial" panose="020B0604020202020204" pitchFamily="34" charset="0"/>
+              <a:buChar char="•"/>
+              <a:defRPr sz="1600" kern="1200" baseline="0">
+                <a:solidFill>
+                  <a:schemeClr val="tx1"/>
+                </a:solidFill>
+                <a:latin typeface="+mn-lt"/>
+                <a:ea typeface="+mn-ea"/>
+                <a:cs typeface="+mn-cs"/>
+              </a:defRPr>
+            </a:lvl9pPr>
+          </a:lstStyle>
+          <a:p>
+            <a:pPr marL="0" indent="0">
+              <a:buNone/>
+            </a:pPr>
+            <a:r>
+              <a:rPr lang="en-US" sz="1100" dirty="0">
+                <a:solidFill>
+                  <a:schemeClr val="tx1"/>
+                </a:solidFill>
+                <a:latin typeface="Consolas" panose="020B0609020204030204" pitchFamily="49" charset="0"/>
+              </a:rPr>
+              <a:t># </a:t>
+            </a:r>
+            <a:r>
+              <a:rPr lang="es-ES" sz="1100" dirty="0">
+                <a:solidFill>
+                  <a:schemeClr val="tx1"/>
+                </a:solidFill>
+                <a:latin typeface="Consolas" panose="020B0609020204030204" pitchFamily="49" charset="0"/>
+              </a:rPr>
+              <a:t>Esta consulta corresponde a obtener los </a:t>
+            </a:r>
+            <a:r>
+              <a:rPr lang="es-ES" sz="1100" dirty="0" err="1">
+                <a:solidFill>
+                  <a:schemeClr val="tx1"/>
+                </a:solidFill>
+                <a:latin typeface="Consolas" panose="020B0609020204030204" pitchFamily="49" charset="0"/>
+              </a:rPr>
+              <a:t>items</a:t>
+            </a:r>
+            <a:r>
+              <a:rPr lang="es-ES" sz="1100" dirty="0">
+                <a:solidFill>
+                  <a:schemeClr val="tx1"/>
+                </a:solidFill>
+                <a:latin typeface="Consolas" panose="020B0609020204030204" pitchFamily="49" charset="0"/>
+              </a:rPr>
+              <a:t> que tengan Asignatura (Q4) como propiedad de instancia de (P31)</a:t>
+            </a:r>
+          </a:p>
+          <a:p>
+            <a:pPr marL="0" indent="0">
+              <a:buNone/>
+            </a:pPr>
+            <a:r>
+              <a:rPr lang="en-US" sz="1100" dirty="0">
+                <a:solidFill>
+                  <a:schemeClr val="tx1"/>
+                </a:solidFill>
+                <a:latin typeface="Consolas" panose="020B0609020204030204" pitchFamily="49" charset="0"/>
+              </a:rPr>
+              <a:t>SELECT ?item where {</a:t>
+            </a:r>
+          </a:p>
+          <a:p>
+            <a:pPr marL="0" indent="0">
+              <a:buNone/>
+            </a:pPr>
+            <a:r>
+              <a:rPr lang="en-US" sz="1100" dirty="0">
+                <a:solidFill>
+                  <a:schemeClr val="tx1"/>
+                </a:solidFill>
+                <a:latin typeface="Consolas" panose="020B0609020204030204" pitchFamily="49" charset="0"/>
+              </a:rPr>
+              <a:t>  ?item wdt:P31 wd:Q4;</a:t>
+            </a:r>
+          </a:p>
+          <a:p>
+            <a:pPr marL="0" indent="0">
+              <a:buNone/>
+            </a:pPr>
+            <a:r>
+              <a:rPr lang="en-US" sz="1100" dirty="0">
+                <a:solidFill>
+                  <a:schemeClr val="tx1"/>
+                </a:solidFill>
+                <a:latin typeface="Consolas" panose="020B0609020204030204" pitchFamily="49" charset="0"/>
+              </a:rPr>
+              <a:t>}</a:t>
+            </a:r>
+            <a:endParaRPr lang="es-CL" sz="1100" dirty="0">
+              <a:solidFill>
+                <a:schemeClr val="tx1"/>
+              </a:solidFill>
+              <a:latin typeface="Consolas" panose="020B0609020204030204" pitchFamily="49" charset="0"/>
+            </a:endParaRPr>
+          </a:p>
+        </p:txBody>
+      </p:sp>
+      <p:sp>
+        <p:nvSpPr>
+          <p:cNvPr id="8" name="Título 1">
+            <a:extLst>
+              <a:ext uri="{FF2B5EF4-FFF2-40B4-BE49-F238E27FC236}">
+                <a16:creationId xmlns:a16="http://schemas.microsoft.com/office/drawing/2014/main" id="{30D076FF-39A1-424B-A596-21EA684A5945}"/>
+              </a:ext>
+            </a:extLst>
+          </p:cNvPr>
+          <p:cNvSpPr>
+            <a:spLocks noGrp="1"/>
+          </p:cNvSpPr>
+          <p:nvPr>
+            <p:ph type="title"/>
+          </p:nvPr>
+        </p:nvSpPr>
+        <p:spPr>
+          <a:xfrm>
+            <a:off x="2231136" y="964692"/>
+            <a:ext cx="7729728" cy="1188720"/>
+          </a:xfrm>
+        </p:spPr>
+        <p:txBody>
+          <a:bodyPr/>
+          <a:lstStyle/>
+          <a:p>
+            <a:r>
+              <a:rPr lang="es-CL" dirty="0" err="1"/>
+              <a:t>sparql</a:t>
+            </a:r>
+            <a:endParaRPr lang="es-CL" dirty="0"/>
+          </a:p>
+        </p:txBody>
+      </p:sp>
+    </p:spTree>
+    <p:extLst>
+      <p:ext uri="{BB962C8B-B14F-4D97-AF65-F5344CB8AC3E}">
+        <p14:creationId xmlns:p14="http://schemas.microsoft.com/office/powerpoint/2010/main" val="2078834234"/>
+      </p:ext>
+    </p:extLst>
+  </p:cSld>
+  <p:clrMapOvr>
+    <a:masterClrMapping/>
+  </p:clrMapOvr>
+</p:sld>
+</file>
+
 <file path=ppt/slides/slide2.xml><?xml version="1.0" encoding="utf-8"?>
 <p:sld xmlns:a="http://schemas.openxmlformats.org/drawingml/2006/main" xmlns:r="http://schemas.openxmlformats.org/officeDocument/2006/relationships" xmlns:p="http://schemas.openxmlformats.org/presentationml/2006/main">
   <p:cSld>
@@ -5543,6 +6817,291 @@
     <p:extLst>
       <p:ext uri="{BB962C8B-B14F-4D97-AF65-F5344CB8AC3E}">
         <p14:creationId xmlns:p14="http://schemas.microsoft.com/office/powerpoint/2010/main" val="4209148226"/>
+      </p:ext>
+    </p:extLst>
+  </p:cSld>
+  <p:clrMapOvr>
+    <a:masterClrMapping/>
+  </p:clrMapOvr>
+</p:sld>
+</file>
+
+<file path=ppt/slides/slide8.xml><?xml version="1.0" encoding="utf-8"?>
+<p:sld xmlns:a="http://schemas.openxmlformats.org/drawingml/2006/main" xmlns:r="http://schemas.openxmlformats.org/officeDocument/2006/relationships" xmlns:p="http://schemas.openxmlformats.org/presentationml/2006/main">
+  <p:cSld>
+    <p:spTree>
+      <p:nvGrpSpPr>
+        <p:cNvPr id="1" name=""/>
+        <p:cNvGrpSpPr/>
+        <p:nvPr/>
+      </p:nvGrpSpPr>
+      <p:grpSpPr>
+        <a:xfrm>
+          <a:off x="0" y="0"/>
+          <a:ext cx="0" cy="0"/>
+          <a:chOff x="0" y="0"/>
+          <a:chExt cx="0" cy="0"/>
+        </a:xfrm>
+      </p:grpSpPr>
+      <p:sp>
+        <p:nvSpPr>
+          <p:cNvPr id="2" name="Título 1">
+            <a:extLst>
+              <a:ext uri="{FF2B5EF4-FFF2-40B4-BE49-F238E27FC236}">
+                <a16:creationId xmlns:a16="http://schemas.microsoft.com/office/drawing/2014/main" id="{CC3CB2BE-3DB3-4898-9DB6-26FC8F5AA564}"/>
+              </a:ext>
+            </a:extLst>
+          </p:cNvPr>
+          <p:cNvSpPr>
+            <a:spLocks noGrp="1"/>
+          </p:cNvSpPr>
+          <p:nvPr>
+            <p:ph type="ctrTitle"/>
+          </p:nvPr>
+        </p:nvSpPr>
+        <p:spPr/>
+        <p:txBody>
+          <a:bodyPr/>
+          <a:lstStyle/>
+          <a:p>
+            <a:r>
+              <a:rPr lang="es-CL" dirty="0"/>
+              <a:t>Validación de esquemas</a:t>
+            </a:r>
+          </a:p>
+        </p:txBody>
+      </p:sp>
+      <p:sp>
+        <p:nvSpPr>
+          <p:cNvPr id="3" name="Subtítulo 2">
+            <a:extLst>
+              <a:ext uri="{FF2B5EF4-FFF2-40B4-BE49-F238E27FC236}">
+                <a16:creationId xmlns:a16="http://schemas.microsoft.com/office/drawing/2014/main" id="{81A19DBE-0B3D-4D6D-9FEF-452AACF5952C}"/>
+              </a:ext>
+            </a:extLst>
+          </p:cNvPr>
+          <p:cNvSpPr>
+            <a:spLocks noGrp="1"/>
+          </p:cNvSpPr>
+          <p:nvPr>
+            <p:ph type="subTitle" idx="1"/>
+          </p:nvPr>
+        </p:nvSpPr>
+        <p:spPr>
+          <a:xfrm>
+            <a:off x="2519026" y="4243486"/>
+            <a:ext cx="6801612" cy="2325094"/>
+          </a:xfrm>
+        </p:spPr>
+        <p:txBody>
+          <a:bodyPr>
+            <a:normAutofit fontScale="92500" lnSpcReduction="10000"/>
+          </a:bodyPr>
+          <a:lstStyle/>
+          <a:p>
+            <a:r>
+              <a:rPr lang="es-CL" dirty="0">
+                <a:solidFill>
+                  <a:schemeClr val="bg1"/>
+                </a:solidFill>
+              </a:rPr>
+              <a:t>TRABAJO FINAL </a:t>
+            </a:r>
+            <a:br>
+              <a:rPr lang="es-CL" dirty="0">
+                <a:solidFill>
+                  <a:schemeClr val="bg1"/>
+                </a:solidFill>
+              </a:rPr>
+            </a:br>
+            <a:r>
+              <a:rPr lang="es-ES" dirty="0">
+                <a:solidFill>
+                  <a:schemeClr val="bg1"/>
+                </a:solidFill>
+              </a:rPr>
+              <a:t>MTI-476 Sistemas y Aplicaciones Web</a:t>
+            </a:r>
+          </a:p>
+          <a:p>
+            <a:r>
+              <a:rPr lang="es-ES" dirty="0">
+                <a:solidFill>
+                  <a:schemeClr val="bg1"/>
+                </a:solidFill>
+              </a:rPr>
+              <a:t>Integrantes: </a:t>
+            </a:r>
+            <a:br>
+              <a:rPr lang="es-ES" dirty="0">
+                <a:solidFill>
+                  <a:schemeClr val="bg1"/>
+                </a:solidFill>
+              </a:rPr>
+            </a:br>
+            <a:r>
+              <a:rPr lang="es-ES" dirty="0">
+                <a:solidFill>
+                  <a:schemeClr val="bg1"/>
+                </a:solidFill>
+              </a:rPr>
+              <a:t>Carla Balbontín </a:t>
+            </a:r>
+            <a:br>
+              <a:rPr lang="es-ES" dirty="0">
+                <a:solidFill>
+                  <a:schemeClr val="bg1"/>
+                </a:solidFill>
+              </a:rPr>
+            </a:br>
+            <a:r>
+              <a:rPr lang="es-ES" dirty="0">
+                <a:solidFill>
+                  <a:schemeClr val="bg1"/>
+                </a:solidFill>
+              </a:rPr>
+              <a:t>Felipe Sáez</a:t>
+            </a:r>
+            <a:br>
+              <a:rPr lang="es-ES" dirty="0">
+                <a:solidFill>
+                  <a:schemeClr val="bg1"/>
+                </a:solidFill>
+              </a:rPr>
+            </a:br>
+            <a:endParaRPr lang="es-ES" dirty="0">
+              <a:solidFill>
+                <a:schemeClr val="bg1"/>
+              </a:solidFill>
+            </a:endParaRPr>
+          </a:p>
+          <a:p>
+            <a:r>
+              <a:rPr lang="es-ES" dirty="0">
+                <a:solidFill>
+                  <a:schemeClr val="bg1"/>
+                </a:solidFill>
+              </a:rPr>
+              <a:t>Profesor: José Emilio Labra Gayo</a:t>
+            </a:r>
+            <a:endParaRPr lang="es-CL" dirty="0">
+              <a:solidFill>
+                <a:schemeClr val="bg1"/>
+              </a:solidFill>
+            </a:endParaRPr>
+          </a:p>
+        </p:txBody>
+      </p:sp>
+    </p:spTree>
+    <p:extLst>
+      <p:ext uri="{BB962C8B-B14F-4D97-AF65-F5344CB8AC3E}">
+        <p14:creationId xmlns:p14="http://schemas.microsoft.com/office/powerpoint/2010/main" val="1954810741"/>
+      </p:ext>
+    </p:extLst>
+  </p:cSld>
+  <p:clrMapOvr>
+    <a:masterClrMapping/>
+  </p:clrMapOvr>
+</p:sld>
+</file>
+
+<file path=ppt/slides/slide9.xml><?xml version="1.0" encoding="utf-8"?>
+<p:sld xmlns:a="http://schemas.openxmlformats.org/drawingml/2006/main" xmlns:r="http://schemas.openxmlformats.org/officeDocument/2006/relationships" xmlns:p="http://schemas.openxmlformats.org/presentationml/2006/main">
+  <p:cSld>
+    <p:spTree>
+      <p:nvGrpSpPr>
+        <p:cNvPr id="1" name=""/>
+        <p:cNvGrpSpPr/>
+        <p:nvPr/>
+      </p:nvGrpSpPr>
+      <p:grpSpPr>
+        <a:xfrm>
+          <a:off x="0" y="0"/>
+          <a:ext cx="0" cy="0"/>
+          <a:chOff x="0" y="0"/>
+          <a:chExt cx="0" cy="0"/>
+        </a:xfrm>
+      </p:grpSpPr>
+      <p:sp>
+        <p:nvSpPr>
+          <p:cNvPr id="2" name="Título 1">
+            <a:extLst>
+              <a:ext uri="{FF2B5EF4-FFF2-40B4-BE49-F238E27FC236}">
+                <a16:creationId xmlns:a16="http://schemas.microsoft.com/office/drawing/2014/main" id="{B5468BA7-7376-4A31-9954-D37578FF0043}"/>
+              </a:ext>
+            </a:extLst>
+          </p:cNvPr>
+          <p:cNvSpPr>
+            <a:spLocks noGrp="1"/>
+          </p:cNvSpPr>
+          <p:nvPr>
+            <p:ph type="title"/>
+          </p:nvPr>
+        </p:nvSpPr>
+        <p:spPr/>
+        <p:txBody>
+          <a:bodyPr/>
+          <a:lstStyle/>
+          <a:p>
+            <a:r>
+              <a:rPr lang="es-CL" dirty="0"/>
+              <a:t>Crear </a:t>
+            </a:r>
+            <a:r>
+              <a:rPr lang="es-CL" dirty="0" err="1"/>
+              <a:t>schema</a:t>
+            </a:r>
+            <a:endParaRPr lang="es-CL" dirty="0"/>
+          </a:p>
+        </p:txBody>
+      </p:sp>
+      <p:sp>
+        <p:nvSpPr>
+          <p:cNvPr id="3" name="Marcador de contenido 2">
+            <a:extLst>
+              <a:ext uri="{FF2B5EF4-FFF2-40B4-BE49-F238E27FC236}">
+                <a16:creationId xmlns:a16="http://schemas.microsoft.com/office/drawing/2014/main" id="{4B0808DA-B718-43D5-8649-F133A8808E44}"/>
+              </a:ext>
+            </a:extLst>
+          </p:cNvPr>
+          <p:cNvSpPr>
+            <a:spLocks noGrp="1"/>
+          </p:cNvSpPr>
+          <p:nvPr>
+            <p:ph idx="1"/>
+          </p:nvPr>
+        </p:nvSpPr>
+        <p:spPr/>
+        <p:txBody>
+          <a:bodyPr/>
+          <a:lstStyle/>
+          <a:p>
+            <a:r>
+              <a:rPr lang="es-CL" dirty="0"/>
+              <a:t>URL Nuevo </a:t>
+            </a:r>
+            <a:r>
+              <a:rPr lang="es-CL" dirty="0" err="1"/>
+              <a:t>Schema</a:t>
+            </a:r>
+            <a:r>
+              <a:rPr lang="es-CL" dirty="0"/>
+              <a:t>: </a:t>
+            </a:r>
+            <a:r>
+              <a:rPr lang="es-CL" dirty="0">
+                <a:hlinkClick r:id="rId2"/>
+              </a:rPr>
+              <a:t>https://data.getede.cl/wiki/Special:NewEntitySchema</a:t>
+            </a:r>
+            <a:endParaRPr lang="es-CL" dirty="0"/>
+          </a:p>
+        </p:txBody>
+      </p:sp>
+    </p:spTree>
+    <p:extLst>
+      <p:ext uri="{BB962C8B-B14F-4D97-AF65-F5344CB8AC3E}">
+        <p14:creationId xmlns:p14="http://schemas.microsoft.com/office/powerpoint/2010/main" val="3896420387"/>
       </p:ext>
     </p:extLst>
   </p:cSld>
